--- a/lesson06/File IO/Python File IO.pptx
+++ b/lesson06/File IO/Python File IO.pptx
@@ -209,7 +209,7 @@
           <a:p>
             <a:fld id="{941F8BC1-DC94-491B-AA44-0232F744EE98}" type="datetimeFigureOut">
               <a:rPr lang="en-US" smtClean="0"/>
-              <a:t>11-Jul-25</a:t>
+              <a:t>7/28/2025</a:t>
             </a:fld>
             <a:endParaRPr lang="en-US"/>
           </a:p>
@@ -560,6 +560,90 @@
 </p:notes>
 </file>
 
+<file path=ppt/notesSlides/notesSlide2.xml><?xml version="1.0" encoding="utf-8"?>
+<p:notes xmlns:a="http://schemas.openxmlformats.org/drawingml/2006/main" xmlns:r="http://schemas.openxmlformats.org/officeDocument/2006/relationships" xmlns:p="http://schemas.openxmlformats.org/presentationml/2006/main">
+  <p:cSld>
+    <p:spTree>
+      <p:nvGrpSpPr>
+        <p:cNvPr id="1" name=""/>
+        <p:cNvGrpSpPr/>
+        <p:nvPr/>
+      </p:nvGrpSpPr>
+      <p:grpSpPr>
+        <a:xfrm>
+          <a:off x="0" y="0"/>
+          <a:ext cx="0" cy="0"/>
+          <a:chOff x="0" y="0"/>
+          <a:chExt cx="0" cy="0"/>
+        </a:xfrm>
+      </p:grpSpPr>
+      <p:sp>
+        <p:nvSpPr>
+          <p:cNvPr id="2" name="Slide Image Placeholder 1"/>
+          <p:cNvSpPr>
+            <a:spLocks noGrp="1" noRot="1" noChangeAspect="1"/>
+          </p:cNvSpPr>
+          <p:nvPr>
+            <p:ph type="sldImg"/>
+          </p:nvPr>
+        </p:nvSpPr>
+        <p:spPr/>
+      </p:sp>
+      <p:sp>
+        <p:nvSpPr>
+          <p:cNvPr id="3" name="Notes Placeholder 2"/>
+          <p:cNvSpPr>
+            <a:spLocks noGrp="1"/>
+          </p:cNvSpPr>
+          <p:nvPr>
+            <p:ph type="body" idx="1"/>
+          </p:nvPr>
+        </p:nvSpPr>
+        <p:spPr/>
+        <p:txBody>
+          <a:bodyPr/>
+          <a:lstStyle/>
+          <a:p>
+            <a:endParaRPr lang="en-US" dirty="0"/>
+          </a:p>
+        </p:txBody>
+      </p:sp>
+      <p:sp>
+        <p:nvSpPr>
+          <p:cNvPr id="4" name="Slide Number Placeholder 3"/>
+          <p:cNvSpPr>
+            <a:spLocks noGrp="1"/>
+          </p:cNvSpPr>
+          <p:nvPr>
+            <p:ph type="sldNum" sz="quarter" idx="5"/>
+          </p:nvPr>
+        </p:nvSpPr>
+        <p:spPr/>
+        <p:txBody>
+          <a:bodyPr/>
+          <a:lstStyle/>
+          <a:p>
+            <a:fld id="{2D8B709C-82E0-4ADF-BDA3-CCA1C8B22229}" type="slidenum">
+              <a:rPr lang="en-US" smtClean="0"/>
+              <a:t>10</a:t>
+            </a:fld>
+            <a:endParaRPr lang="en-US"/>
+          </a:p>
+        </p:txBody>
+      </p:sp>
+    </p:spTree>
+    <p:extLst>
+      <p:ext uri="{BB962C8B-B14F-4D97-AF65-F5344CB8AC3E}">
+        <p14:creationId xmlns:p14="http://schemas.microsoft.com/office/powerpoint/2010/main" val="2269376692"/>
+      </p:ext>
+    </p:extLst>
+  </p:cSld>
+  <p:clrMapOvr>
+    <a:masterClrMapping/>
+  </p:clrMapOvr>
+</p:notes>
+</file>
+
 <file path=ppt/slideLayouts/slideLayout1.xml><?xml version="1.0" encoding="utf-8"?>
 <p:sldLayout xmlns:a="http://schemas.openxmlformats.org/drawingml/2006/main" xmlns:r="http://schemas.openxmlformats.org/officeDocument/2006/relationships" xmlns:p="http://schemas.openxmlformats.org/presentationml/2006/main" type="title" preserve="1">
   <p:cSld name="Title Slide">
@@ -707,7 +791,7 @@
           <a:p>
             <a:fld id="{971AFA9C-17DA-4726-B9E3-ADECF7729AF7}" type="datetimeFigureOut">
               <a:rPr lang="en-US" smtClean="0"/>
-              <a:t>11-Jul-25</a:t>
+              <a:t>7/28/2025</a:t>
             </a:fld>
             <a:endParaRPr lang="en-US"/>
           </a:p>
@@ -905,7 +989,7 @@
           <a:p>
             <a:fld id="{971AFA9C-17DA-4726-B9E3-ADECF7729AF7}" type="datetimeFigureOut">
               <a:rPr lang="en-US" smtClean="0"/>
-              <a:t>11-Jul-25</a:t>
+              <a:t>7/28/2025</a:t>
             </a:fld>
             <a:endParaRPr lang="en-US"/>
           </a:p>
@@ -1113,7 +1197,7 @@
           <a:p>
             <a:fld id="{971AFA9C-17DA-4726-B9E3-ADECF7729AF7}" type="datetimeFigureOut">
               <a:rPr lang="en-US" smtClean="0"/>
-              <a:t>11-Jul-25</a:t>
+              <a:t>7/28/2025</a:t>
             </a:fld>
             <a:endParaRPr lang="en-US"/>
           </a:p>
@@ -1311,7 +1395,7 @@
           <a:p>
             <a:fld id="{971AFA9C-17DA-4726-B9E3-ADECF7729AF7}" type="datetimeFigureOut">
               <a:rPr lang="en-US" smtClean="0"/>
-              <a:t>11-Jul-25</a:t>
+              <a:t>7/28/2025</a:t>
             </a:fld>
             <a:endParaRPr lang="en-US"/>
           </a:p>
@@ -1586,7 +1670,7 @@
           <a:p>
             <a:fld id="{971AFA9C-17DA-4726-B9E3-ADECF7729AF7}" type="datetimeFigureOut">
               <a:rPr lang="en-US" smtClean="0"/>
-              <a:t>11-Jul-25</a:t>
+              <a:t>7/28/2025</a:t>
             </a:fld>
             <a:endParaRPr lang="en-US"/>
           </a:p>
@@ -1851,7 +1935,7 @@
           <a:p>
             <a:fld id="{971AFA9C-17DA-4726-B9E3-ADECF7729AF7}" type="datetimeFigureOut">
               <a:rPr lang="en-US" smtClean="0"/>
-              <a:t>11-Jul-25</a:t>
+              <a:t>7/28/2025</a:t>
             </a:fld>
             <a:endParaRPr lang="en-US"/>
           </a:p>
@@ -2263,7 +2347,7 @@
           <a:p>
             <a:fld id="{971AFA9C-17DA-4726-B9E3-ADECF7729AF7}" type="datetimeFigureOut">
               <a:rPr lang="en-US" smtClean="0"/>
-              <a:t>11-Jul-25</a:t>
+              <a:t>7/28/2025</a:t>
             </a:fld>
             <a:endParaRPr lang="en-US"/>
           </a:p>
@@ -2404,7 +2488,7 @@
           <a:p>
             <a:fld id="{971AFA9C-17DA-4726-B9E3-ADECF7729AF7}" type="datetimeFigureOut">
               <a:rPr lang="en-US" smtClean="0"/>
-              <a:t>11-Jul-25</a:t>
+              <a:t>7/28/2025</a:t>
             </a:fld>
             <a:endParaRPr lang="en-US"/>
           </a:p>
@@ -2517,7 +2601,7 @@
           <a:p>
             <a:fld id="{971AFA9C-17DA-4726-B9E3-ADECF7729AF7}" type="datetimeFigureOut">
               <a:rPr lang="en-US" smtClean="0"/>
-              <a:t>11-Jul-25</a:t>
+              <a:t>7/28/2025</a:t>
             </a:fld>
             <a:endParaRPr lang="en-US"/>
           </a:p>
@@ -2828,7 +2912,7 @@
           <a:p>
             <a:fld id="{971AFA9C-17DA-4726-B9E3-ADECF7729AF7}" type="datetimeFigureOut">
               <a:rPr lang="en-US" smtClean="0"/>
-              <a:t>11-Jul-25</a:t>
+              <a:t>7/28/2025</a:t>
             </a:fld>
             <a:endParaRPr lang="en-US"/>
           </a:p>
@@ -3116,7 +3200,7 @@
           <a:p>
             <a:fld id="{971AFA9C-17DA-4726-B9E3-ADECF7729AF7}" type="datetimeFigureOut">
               <a:rPr lang="en-US" smtClean="0"/>
-              <a:t>11-Jul-25</a:t>
+              <a:t>7/28/2025</a:t>
             </a:fld>
             <a:endParaRPr lang="en-US"/>
           </a:p>
@@ -3357,7 +3441,7 @@
           <a:p>
             <a:fld id="{971AFA9C-17DA-4726-B9E3-ADECF7729AF7}" type="datetimeFigureOut">
               <a:rPr lang="en-US" smtClean="0"/>
-              <a:t>11-Jul-25</a:t>
+              <a:t>7/28/2025</a:t>
             </a:fld>
             <a:endParaRPr lang="en-US"/>
           </a:p>
@@ -3905,7 +3989,7 @@
           </p:nvPr>
         </p:nvPicPr>
         <p:blipFill>
-          <a:blip r:embed="rId2"/>
+          <a:blip r:embed="rId3"/>
           <a:stretch>
             <a:fillRect/>
           </a:stretch>
@@ -3934,7 +4018,7 @@
           </p:nvPr>
         </p:nvPicPr>
         <p:blipFill>
-          <a:blip r:embed="rId3"/>
+          <a:blip r:embed="rId4"/>
           <a:stretch>
             <a:fillRect/>
           </a:stretch>
